--- a/images2/picsUsecases2/EmptyWheel5.pptx
+++ b/images2/picsUsecases2/EmptyWheel5.pptx
@@ -243,7 +243,7 @@
           <a:p>
             <a:fld id="{04689A5A-94D1-7E45-B099-E10FE018B022}" type="datetimeFigureOut">
               <a:rPr lang="en-US" smtClean="0"/>
-              <a:t>10/15/17</a:t>
+              <a:t>4/20/18</a:t>
             </a:fld>
             <a:endParaRPr lang="en-US"/>
           </a:p>
@@ -413,7 +413,7 @@
           <a:p>
             <a:fld id="{04689A5A-94D1-7E45-B099-E10FE018B022}" type="datetimeFigureOut">
               <a:rPr lang="en-US" smtClean="0"/>
-              <a:t>10/15/17</a:t>
+              <a:t>4/20/18</a:t>
             </a:fld>
             <a:endParaRPr lang="en-US"/>
           </a:p>
@@ -593,7 +593,7 @@
           <a:p>
             <a:fld id="{04689A5A-94D1-7E45-B099-E10FE018B022}" type="datetimeFigureOut">
               <a:rPr lang="en-US" smtClean="0"/>
-              <a:t>10/15/17</a:t>
+              <a:t>4/20/18</a:t>
             </a:fld>
             <a:endParaRPr lang="en-US"/>
           </a:p>
@@ -763,7 +763,7 @@
           <a:p>
             <a:fld id="{04689A5A-94D1-7E45-B099-E10FE018B022}" type="datetimeFigureOut">
               <a:rPr lang="en-US" smtClean="0"/>
-              <a:t>10/15/17</a:t>
+              <a:t>4/20/18</a:t>
             </a:fld>
             <a:endParaRPr lang="en-US"/>
           </a:p>
@@ -1009,7 +1009,7 @@
           <a:p>
             <a:fld id="{04689A5A-94D1-7E45-B099-E10FE018B022}" type="datetimeFigureOut">
               <a:rPr lang="en-US" smtClean="0"/>
-              <a:t>10/15/17</a:t>
+              <a:t>4/20/18</a:t>
             </a:fld>
             <a:endParaRPr lang="en-US"/>
           </a:p>
@@ -1241,7 +1241,7 @@
           <a:p>
             <a:fld id="{04689A5A-94D1-7E45-B099-E10FE018B022}" type="datetimeFigureOut">
               <a:rPr lang="en-US" smtClean="0"/>
-              <a:t>10/15/17</a:t>
+              <a:t>4/20/18</a:t>
             </a:fld>
             <a:endParaRPr lang="en-US"/>
           </a:p>
@@ -1608,7 +1608,7 @@
           <a:p>
             <a:fld id="{04689A5A-94D1-7E45-B099-E10FE018B022}" type="datetimeFigureOut">
               <a:rPr lang="en-US" smtClean="0"/>
-              <a:t>10/15/17</a:t>
+              <a:t>4/20/18</a:t>
             </a:fld>
             <a:endParaRPr lang="en-US"/>
           </a:p>
@@ -1726,7 +1726,7 @@
           <a:p>
             <a:fld id="{04689A5A-94D1-7E45-B099-E10FE018B022}" type="datetimeFigureOut">
               <a:rPr lang="en-US" smtClean="0"/>
-              <a:t>10/15/17</a:t>
+              <a:t>4/20/18</a:t>
             </a:fld>
             <a:endParaRPr lang="en-US"/>
           </a:p>
@@ -1821,7 +1821,7 @@
           <a:p>
             <a:fld id="{04689A5A-94D1-7E45-B099-E10FE018B022}" type="datetimeFigureOut">
               <a:rPr lang="en-US" smtClean="0"/>
-              <a:t>10/15/17</a:t>
+              <a:t>4/20/18</a:t>
             </a:fld>
             <a:endParaRPr lang="en-US"/>
           </a:p>
@@ -2098,7 +2098,7 @@
           <a:p>
             <a:fld id="{04689A5A-94D1-7E45-B099-E10FE018B022}" type="datetimeFigureOut">
               <a:rPr lang="en-US" smtClean="0"/>
-              <a:t>10/15/17</a:t>
+              <a:t>4/20/18</a:t>
             </a:fld>
             <a:endParaRPr lang="en-US"/>
           </a:p>
@@ -2351,7 +2351,7 @@
           <a:p>
             <a:fld id="{04689A5A-94D1-7E45-B099-E10FE018B022}" type="datetimeFigureOut">
               <a:rPr lang="en-US" smtClean="0"/>
-              <a:t>10/15/17</a:t>
+              <a:t>4/20/18</a:t>
             </a:fld>
             <a:endParaRPr lang="en-US"/>
           </a:p>
@@ -2564,7 +2564,7 @@
           <a:p>
             <a:fld id="{04689A5A-94D1-7E45-B099-E10FE018B022}" type="datetimeFigureOut">
               <a:rPr lang="en-US" smtClean="0"/>
-              <a:t>10/15/17</a:t>
+              <a:t>4/20/18</a:t>
             </a:fld>
             <a:endParaRPr lang="en-US"/>
           </a:p>
@@ -3084,8 +3084,8 @@
         </p:nvSpPr>
         <p:spPr>
           <a:xfrm>
-            <a:off x="2960017" y="2554664"/>
-            <a:ext cx="1762812" cy="791851"/>
+            <a:off x="3019199" y="2554664"/>
+            <a:ext cx="1703629" cy="791851"/>
           </a:xfrm>
           <a:prstGeom prst="roundRect">
             <a:avLst/>
@@ -3131,7 +3131,7 @@
         </p:nvSpPr>
         <p:spPr>
           <a:xfrm>
-            <a:off x="2922309" y="2562251"/>
+            <a:off x="3019200" y="2544083"/>
             <a:ext cx="744718" cy="276999"/>
           </a:xfrm>
           <a:prstGeom prst="rect">
@@ -3248,8 +3248,8 @@
         </p:nvSpPr>
         <p:spPr>
           <a:xfrm>
-            <a:off x="4487891" y="3458288"/>
-            <a:ext cx="1701691" cy="811890"/>
+            <a:off x="4626501" y="3458288"/>
+            <a:ext cx="1563081" cy="811890"/>
           </a:xfrm>
           <a:prstGeom prst="roundRect">
             <a:avLst/>

--- a/images2/picsUsecases2/EmptyWheel5.pptx
+++ b/images2/picsUsecases2/EmptyWheel5.pptx
@@ -243,7 +243,7 @@
           <a:p>
             <a:fld id="{04689A5A-94D1-7E45-B099-E10FE018B022}" type="datetimeFigureOut">
               <a:rPr lang="en-US" smtClean="0"/>
-              <a:t>4/20/18</a:t>
+              <a:t>10/15/17</a:t>
             </a:fld>
             <a:endParaRPr lang="en-US"/>
           </a:p>
@@ -413,7 +413,7 @@
           <a:p>
             <a:fld id="{04689A5A-94D1-7E45-B099-E10FE018B022}" type="datetimeFigureOut">
               <a:rPr lang="en-US" smtClean="0"/>
-              <a:t>4/20/18</a:t>
+              <a:t>10/15/17</a:t>
             </a:fld>
             <a:endParaRPr lang="en-US"/>
           </a:p>
@@ -593,7 +593,7 @@
           <a:p>
             <a:fld id="{04689A5A-94D1-7E45-B099-E10FE018B022}" type="datetimeFigureOut">
               <a:rPr lang="en-US" smtClean="0"/>
-              <a:t>4/20/18</a:t>
+              <a:t>10/15/17</a:t>
             </a:fld>
             <a:endParaRPr lang="en-US"/>
           </a:p>
@@ -763,7 +763,7 @@
           <a:p>
             <a:fld id="{04689A5A-94D1-7E45-B099-E10FE018B022}" type="datetimeFigureOut">
               <a:rPr lang="en-US" smtClean="0"/>
-              <a:t>4/20/18</a:t>
+              <a:t>10/15/17</a:t>
             </a:fld>
             <a:endParaRPr lang="en-US"/>
           </a:p>
@@ -1009,7 +1009,7 @@
           <a:p>
             <a:fld id="{04689A5A-94D1-7E45-B099-E10FE018B022}" type="datetimeFigureOut">
               <a:rPr lang="en-US" smtClean="0"/>
-              <a:t>4/20/18</a:t>
+              <a:t>10/15/17</a:t>
             </a:fld>
             <a:endParaRPr lang="en-US"/>
           </a:p>
@@ -1241,7 +1241,7 @@
           <a:p>
             <a:fld id="{04689A5A-94D1-7E45-B099-E10FE018B022}" type="datetimeFigureOut">
               <a:rPr lang="en-US" smtClean="0"/>
-              <a:t>4/20/18</a:t>
+              <a:t>10/15/17</a:t>
             </a:fld>
             <a:endParaRPr lang="en-US"/>
           </a:p>
@@ -1608,7 +1608,7 @@
           <a:p>
             <a:fld id="{04689A5A-94D1-7E45-B099-E10FE018B022}" type="datetimeFigureOut">
               <a:rPr lang="en-US" smtClean="0"/>
-              <a:t>4/20/18</a:t>
+              <a:t>10/15/17</a:t>
             </a:fld>
             <a:endParaRPr lang="en-US"/>
           </a:p>
@@ -1726,7 +1726,7 @@
           <a:p>
             <a:fld id="{04689A5A-94D1-7E45-B099-E10FE018B022}" type="datetimeFigureOut">
               <a:rPr lang="en-US" smtClean="0"/>
-              <a:t>4/20/18</a:t>
+              <a:t>10/15/17</a:t>
             </a:fld>
             <a:endParaRPr lang="en-US"/>
           </a:p>
@@ -1821,7 +1821,7 @@
           <a:p>
             <a:fld id="{04689A5A-94D1-7E45-B099-E10FE018B022}" type="datetimeFigureOut">
               <a:rPr lang="en-US" smtClean="0"/>
-              <a:t>4/20/18</a:t>
+              <a:t>10/15/17</a:t>
             </a:fld>
             <a:endParaRPr lang="en-US"/>
           </a:p>
@@ -2098,7 +2098,7 @@
           <a:p>
             <a:fld id="{04689A5A-94D1-7E45-B099-E10FE018B022}" type="datetimeFigureOut">
               <a:rPr lang="en-US" smtClean="0"/>
-              <a:t>4/20/18</a:t>
+              <a:t>10/15/17</a:t>
             </a:fld>
             <a:endParaRPr lang="en-US"/>
           </a:p>
@@ -2351,7 +2351,7 @@
           <a:p>
             <a:fld id="{04689A5A-94D1-7E45-B099-E10FE018B022}" type="datetimeFigureOut">
               <a:rPr lang="en-US" smtClean="0"/>
-              <a:t>4/20/18</a:t>
+              <a:t>10/15/17</a:t>
             </a:fld>
             <a:endParaRPr lang="en-US"/>
           </a:p>
@@ -2564,7 +2564,7 @@
           <a:p>
             <a:fld id="{04689A5A-94D1-7E45-B099-E10FE018B022}" type="datetimeFigureOut">
               <a:rPr lang="en-US" smtClean="0"/>
-              <a:t>4/20/18</a:t>
+              <a:t>10/15/17</a:t>
             </a:fld>
             <a:endParaRPr lang="en-US"/>
           </a:p>
@@ -3084,8 +3084,8 @@
         </p:nvSpPr>
         <p:spPr>
           <a:xfrm>
-            <a:off x="3019199" y="2554664"/>
-            <a:ext cx="1703629" cy="791851"/>
+            <a:off x="2960017" y="2554664"/>
+            <a:ext cx="1762812" cy="791851"/>
           </a:xfrm>
           <a:prstGeom prst="roundRect">
             <a:avLst/>
@@ -3131,7 +3131,7 @@
         </p:nvSpPr>
         <p:spPr>
           <a:xfrm>
-            <a:off x="3019200" y="2544083"/>
+            <a:off x="2922309" y="2562251"/>
             <a:ext cx="744718" cy="276999"/>
           </a:xfrm>
           <a:prstGeom prst="rect">
@@ -3248,8 +3248,8 @@
         </p:nvSpPr>
         <p:spPr>
           <a:xfrm>
-            <a:off x="4626501" y="3458288"/>
-            <a:ext cx="1563081" cy="811890"/>
+            <a:off x="4487891" y="3458288"/>
+            <a:ext cx="1701691" cy="811890"/>
           </a:xfrm>
           <a:prstGeom prst="roundRect">
             <a:avLst/>
